--- a/Введение в R.pptx
+++ b/Введение в R.pptx
@@ -565,7 +565,7 @@
           <a:p>
             <a:fld id="{2933BC58-7D4A-4A38-AC95-63DF71C0F378}" type="datetimeFigureOut">
               <a:rPr lang="ru-RU" smtClean="0"/>
-              <a:t>07.02.2021</a:t>
+              <a:t>14.02.2021</a:t>
             </a:fld>
             <a:endParaRPr lang="ru-RU"/>
           </a:p>
@@ -770,7 +770,7 @@
           <a:p>
             <a:fld id="{2933BC58-7D4A-4A38-AC95-63DF71C0F378}" type="datetimeFigureOut">
               <a:rPr lang="ru-RU" smtClean="0"/>
-              <a:t>07.02.2021</a:t>
+              <a:t>14.02.2021</a:t>
             </a:fld>
             <a:endParaRPr lang="ru-RU"/>
           </a:p>
@@ -950,7 +950,7 @@
           <a:p>
             <a:fld id="{2933BC58-7D4A-4A38-AC95-63DF71C0F378}" type="datetimeFigureOut">
               <a:rPr lang="ru-RU" smtClean="0"/>
-              <a:t>07.02.2021</a:t>
+              <a:t>14.02.2021</a:t>
             </a:fld>
             <a:endParaRPr lang="ru-RU"/>
           </a:p>
@@ -1040,7 +1040,7 @@
           <a:p>
             <a:fld id="{2933BC58-7D4A-4A38-AC95-63DF71C0F378}" type="datetimeFigureOut">
               <a:rPr lang="ru-RU" smtClean="0"/>
-              <a:t>07.02.2021</a:t>
+              <a:t>14.02.2021</a:t>
             </a:fld>
             <a:endParaRPr lang="ru-RU"/>
           </a:p>
@@ -1629,7 +1629,7 @@
           <a:p>
             <a:fld id="{2933BC58-7D4A-4A38-AC95-63DF71C0F378}" type="datetimeFigureOut">
               <a:rPr lang="ru-RU" smtClean="0"/>
-              <a:t>07.02.2021</a:t>
+              <a:t>14.02.2021</a:t>
             </a:fld>
             <a:endParaRPr lang="ru-RU"/>
           </a:p>
@@ -1719,7 +1719,7 @@
           <a:p>
             <a:fld id="{2933BC58-7D4A-4A38-AC95-63DF71C0F378}" type="datetimeFigureOut">
               <a:rPr lang="ru-RU" smtClean="0"/>
-              <a:t>07.02.2021</a:t>
+              <a:t>14.02.2021</a:t>
             </a:fld>
             <a:endParaRPr lang="ru-RU"/>
           </a:p>
@@ -2317,7 +2317,7 @@
           <a:p>
             <a:fld id="{2933BC58-7D4A-4A38-AC95-63DF71C0F378}" type="datetimeFigureOut">
               <a:rPr lang="ru-RU" smtClean="0"/>
-              <a:t>07.02.2021</a:t>
+              <a:t>14.02.2021</a:t>
             </a:fld>
             <a:endParaRPr lang="ru-RU"/>
           </a:p>
@@ -2453,7 +2453,7 @@
           <a:p>
             <a:fld id="{2933BC58-7D4A-4A38-AC95-63DF71C0F378}" type="datetimeFigureOut">
               <a:rPr lang="ru-RU" smtClean="0"/>
-              <a:t>07.02.2021</a:t>
+              <a:t>14.02.2021</a:t>
             </a:fld>
             <a:endParaRPr lang="ru-RU"/>
           </a:p>
@@ -2543,7 +2543,7 @@
           <a:p>
             <a:fld id="{2933BC58-7D4A-4A38-AC95-63DF71C0F378}" type="datetimeFigureOut">
               <a:rPr lang="ru-RU" smtClean="0"/>
-              <a:t>07.02.2021</a:t>
+              <a:t>14.02.2021</a:t>
             </a:fld>
             <a:endParaRPr lang="ru-RU"/>
           </a:p>
@@ -2820,7 +2820,7 @@
           <a:p>
             <a:fld id="{2933BC58-7D4A-4A38-AC95-63DF71C0F378}" type="datetimeFigureOut">
               <a:rPr lang="ru-RU" smtClean="0"/>
-              <a:t>07.02.2021</a:t>
+              <a:t>14.02.2021</a:t>
             </a:fld>
             <a:endParaRPr lang="ru-RU"/>
           </a:p>
@@ -3335,7 +3335,7 @@
           <a:p>
             <a:fld id="{2933BC58-7D4A-4A38-AC95-63DF71C0F378}" type="datetimeFigureOut">
               <a:rPr lang="ru-RU" smtClean="0"/>
-              <a:t>07.02.2021</a:t>
+              <a:t>14.02.2021</a:t>
             </a:fld>
             <a:endParaRPr lang="ru-RU"/>
           </a:p>
@@ -3848,7 +3848,7 @@
           <a:p>
             <a:fld id="{2933BC58-7D4A-4A38-AC95-63DF71C0F378}" type="datetimeFigureOut">
               <a:rPr lang="ru-RU" smtClean="0"/>
-              <a:t>07.02.2021</a:t>
+              <a:t>14.02.2021</a:t>
             </a:fld>
             <a:endParaRPr lang="ru-RU"/>
           </a:p>
@@ -5411,7 +5411,12 @@
             <p:ph type="title"/>
           </p:nvPr>
         </p:nvSpPr>
-        <p:spPr/>
+        <p:spPr>
+          <a:xfrm>
+            <a:off x="1835696" y="5373216"/>
+            <a:ext cx="6512511" cy="1143000"/>
+          </a:xfrm>
+        </p:spPr>
         <p:txBody>
           <a:bodyPr/>
           <a:lstStyle/>
@@ -5441,10 +5446,15 @@
             <p:ph sz="quarter" idx="13"/>
           </p:nvPr>
         </p:nvSpPr>
-        <p:spPr/>
+        <p:spPr>
+          <a:xfrm>
+            <a:off x="1143000" y="731520"/>
+            <a:ext cx="6400800" cy="4497680"/>
+          </a:xfrm>
+        </p:spPr>
         <p:txBody>
           <a:bodyPr>
-            <a:normAutofit fontScale="92500" lnSpcReduction="10000"/>
+            <a:normAutofit fontScale="92500" lnSpcReduction="20000"/>
           </a:bodyPr>
           <a:lstStyle/>
           <a:p>
@@ -5478,7 +5488,15 @@
           <a:p>
             <a:r>
               <a:rPr lang="ru-RU" dirty="0"/>
-              <a:t>Первый вариант - указание в скобках ВЕКТОРА порядковых элементов вектора которые нужно выбрать</a:t>
+              <a:t>Первый вариант - указание в скобках ВЕКТОРА ПОРЯДКОВЫХ ЧИСЕЛ вектора</a:t>
+            </a:r>
+            <a:r>
+              <a:rPr lang="en-US" dirty="0"/>
+              <a:t>,</a:t>
+            </a:r>
+            <a:r>
+              <a:rPr lang="ru-RU" dirty="0"/>
+              <a:t> которые нужно выбрать</a:t>
             </a:r>
             <a:r>
               <a:rPr lang="en-US" dirty="0"/>
@@ -5511,6 +5529,51 @@
               <a:rPr lang="en-US" dirty="0"/>
               <a:t>A[c(2,4,5)]</a:t>
             </a:r>
+          </a:p>
+          <a:p>
+            <a:pPr marL="45720" indent="0">
+              <a:buNone/>
+            </a:pPr>
+            <a:endParaRPr lang="en-US" dirty="0"/>
+          </a:p>
+          <a:p>
+            <a:r>
+              <a:rPr lang="ru-RU" dirty="0"/>
+              <a:t>Квадратные скобки могут быть слева от знака присваивания</a:t>
+            </a:r>
+            <a:endParaRPr lang="en-US" dirty="0"/>
+          </a:p>
+          <a:p>
+            <a:pPr marL="45720" indent="0">
+              <a:buNone/>
+            </a:pPr>
+            <a:r>
+              <a:rPr lang="en-US" dirty="0"/>
+              <a:t>A[c(2,4,5)] &lt;- c(34,6,78)</a:t>
+            </a:r>
+          </a:p>
+          <a:p>
+            <a:pPr marL="45720" indent="0">
+              <a:buNone/>
+            </a:pPr>
+            <a:endParaRPr lang="ru-RU" dirty="0"/>
+          </a:p>
+          <a:p>
+            <a:pPr marL="45720" indent="0">
+              <a:buNone/>
+            </a:pPr>
+            <a:endParaRPr lang="en-US" dirty="0"/>
+          </a:p>
+          <a:p>
+            <a:pPr marL="45720" indent="0">
+              <a:buNone/>
+            </a:pPr>
+            <a:endParaRPr lang="en-US" dirty="0"/>
+          </a:p>
+          <a:p>
+            <a:pPr marL="45720" indent="0">
+              <a:buNone/>
+            </a:pPr>
             <a:endParaRPr lang="ru-RU" dirty="0"/>
           </a:p>
         </p:txBody>
@@ -5555,7 +5618,12 @@
             <p:ph type="title"/>
           </p:nvPr>
         </p:nvSpPr>
-        <p:spPr/>
+        <p:spPr>
+          <a:xfrm>
+            <a:off x="1835696" y="5301208"/>
+            <a:ext cx="6512511" cy="1143000"/>
+          </a:xfrm>
+        </p:spPr>
         <p:txBody>
           <a:bodyPr/>
           <a:lstStyle/>
@@ -5588,18 +5656,18 @@
         <p:spPr>
           <a:xfrm>
             <a:off x="1143000" y="731520"/>
-            <a:ext cx="6813376" cy="3474720"/>
+            <a:ext cx="6813376" cy="4785712"/>
           </a:xfrm>
         </p:spPr>
         <p:txBody>
           <a:bodyPr>
-            <a:normAutofit lnSpcReduction="10000"/>
+            <a:normAutofit/>
           </a:bodyPr>
           <a:lstStyle/>
           <a:p>
             <a:r>
               <a:rPr lang="ru-RU" dirty="0"/>
-              <a:t>Второй вариант – в скобках используем логический ВЕКТОР который по длине равен исходному вектору. </a:t>
+              <a:t>Второй вариант – в скобках используем логический ВЕКТОР который по длине РАВЕН исходному вектору. </a:t>
             </a:r>
           </a:p>
           <a:p>
@@ -5655,6 +5723,23 @@
               <a:rPr lang="ru-RU" dirty="0"/>
               <a:t>выбирает все элементы меньше 5 </a:t>
             </a:r>
+          </a:p>
+          <a:p>
+            <a:pPr marL="45720" indent="0">
+              <a:buNone/>
+            </a:pPr>
+            <a:endParaRPr lang="ru-RU" dirty="0"/>
+          </a:p>
+          <a:p>
+            <a:pPr marL="45720" indent="0">
+              <a:buNone/>
+            </a:pPr>
+            <a:endParaRPr lang="ru-RU" dirty="0"/>
+          </a:p>
+          <a:p>
+            <a:pPr marL="45720" indent="0">
+              <a:buNone/>
+            </a:pPr>
             <a:endParaRPr lang="en-US" dirty="0"/>
           </a:p>
         </p:txBody>

--- a/Введение в R.pptx
+++ b/Введение в R.pptx
@@ -565,7 +565,7 @@
           <a:p>
             <a:fld id="{2933BC58-7D4A-4A38-AC95-63DF71C0F378}" type="datetimeFigureOut">
               <a:rPr lang="ru-RU" smtClean="0"/>
-              <a:t>14.02.2021</a:t>
+              <a:t>21.02.2021</a:t>
             </a:fld>
             <a:endParaRPr lang="ru-RU"/>
           </a:p>
@@ -770,7 +770,7 @@
           <a:p>
             <a:fld id="{2933BC58-7D4A-4A38-AC95-63DF71C0F378}" type="datetimeFigureOut">
               <a:rPr lang="ru-RU" smtClean="0"/>
-              <a:t>14.02.2021</a:t>
+              <a:t>21.02.2021</a:t>
             </a:fld>
             <a:endParaRPr lang="ru-RU"/>
           </a:p>
@@ -950,7 +950,7 @@
           <a:p>
             <a:fld id="{2933BC58-7D4A-4A38-AC95-63DF71C0F378}" type="datetimeFigureOut">
               <a:rPr lang="ru-RU" smtClean="0"/>
-              <a:t>14.02.2021</a:t>
+              <a:t>21.02.2021</a:t>
             </a:fld>
             <a:endParaRPr lang="ru-RU"/>
           </a:p>
@@ -1040,7 +1040,7 @@
           <a:p>
             <a:fld id="{2933BC58-7D4A-4A38-AC95-63DF71C0F378}" type="datetimeFigureOut">
               <a:rPr lang="ru-RU" smtClean="0"/>
-              <a:t>14.02.2021</a:t>
+              <a:t>21.02.2021</a:t>
             </a:fld>
             <a:endParaRPr lang="ru-RU"/>
           </a:p>
@@ -1629,7 +1629,7 @@
           <a:p>
             <a:fld id="{2933BC58-7D4A-4A38-AC95-63DF71C0F378}" type="datetimeFigureOut">
               <a:rPr lang="ru-RU" smtClean="0"/>
-              <a:t>14.02.2021</a:t>
+              <a:t>21.02.2021</a:t>
             </a:fld>
             <a:endParaRPr lang="ru-RU"/>
           </a:p>
@@ -1719,7 +1719,7 @@
           <a:p>
             <a:fld id="{2933BC58-7D4A-4A38-AC95-63DF71C0F378}" type="datetimeFigureOut">
               <a:rPr lang="ru-RU" smtClean="0"/>
-              <a:t>14.02.2021</a:t>
+              <a:t>21.02.2021</a:t>
             </a:fld>
             <a:endParaRPr lang="ru-RU"/>
           </a:p>
@@ -2317,7 +2317,7 @@
           <a:p>
             <a:fld id="{2933BC58-7D4A-4A38-AC95-63DF71C0F378}" type="datetimeFigureOut">
               <a:rPr lang="ru-RU" smtClean="0"/>
-              <a:t>14.02.2021</a:t>
+              <a:t>21.02.2021</a:t>
             </a:fld>
             <a:endParaRPr lang="ru-RU"/>
           </a:p>
@@ -2453,7 +2453,7 @@
           <a:p>
             <a:fld id="{2933BC58-7D4A-4A38-AC95-63DF71C0F378}" type="datetimeFigureOut">
               <a:rPr lang="ru-RU" smtClean="0"/>
-              <a:t>14.02.2021</a:t>
+              <a:t>21.02.2021</a:t>
             </a:fld>
             <a:endParaRPr lang="ru-RU"/>
           </a:p>
@@ -2543,7 +2543,7 @@
           <a:p>
             <a:fld id="{2933BC58-7D4A-4A38-AC95-63DF71C0F378}" type="datetimeFigureOut">
               <a:rPr lang="ru-RU" smtClean="0"/>
-              <a:t>14.02.2021</a:t>
+              <a:t>21.02.2021</a:t>
             </a:fld>
             <a:endParaRPr lang="ru-RU"/>
           </a:p>
@@ -2820,7 +2820,7 @@
           <a:p>
             <a:fld id="{2933BC58-7D4A-4A38-AC95-63DF71C0F378}" type="datetimeFigureOut">
               <a:rPr lang="ru-RU" smtClean="0"/>
-              <a:t>14.02.2021</a:t>
+              <a:t>21.02.2021</a:t>
             </a:fld>
             <a:endParaRPr lang="ru-RU"/>
           </a:p>
@@ -3335,7 +3335,7 @@
           <a:p>
             <a:fld id="{2933BC58-7D4A-4A38-AC95-63DF71C0F378}" type="datetimeFigureOut">
               <a:rPr lang="ru-RU" smtClean="0"/>
-              <a:t>14.02.2021</a:t>
+              <a:t>21.02.2021</a:t>
             </a:fld>
             <a:endParaRPr lang="ru-RU"/>
           </a:p>
@@ -3848,7 +3848,7 @@
           <a:p>
             <a:fld id="{2933BC58-7D4A-4A38-AC95-63DF71C0F378}" type="datetimeFigureOut">
               <a:rPr lang="ru-RU" smtClean="0"/>
-              <a:t>14.02.2021</a:t>
+              <a:t>21.02.2021</a:t>
             </a:fld>
             <a:endParaRPr lang="ru-RU"/>
           </a:p>
@@ -5454,7 +5454,7 @@
         </p:spPr>
         <p:txBody>
           <a:bodyPr>
-            <a:normAutofit fontScale="92500" lnSpcReduction="20000"/>
+            <a:normAutofit fontScale="85000" lnSpcReduction="20000"/>
           </a:bodyPr>
           <a:lstStyle/>
           <a:p>
@@ -5529,6 +5529,21 @@
               <a:rPr lang="en-US" dirty="0"/>
               <a:t>A[c(2,4,5)]</a:t>
             </a:r>
+            <a:endParaRPr lang="ru-RU" dirty="0"/>
+          </a:p>
+          <a:p>
+            <a:pPr marL="45720" indent="0">
+              <a:buNone/>
+            </a:pPr>
+            <a:r>
+              <a:rPr lang="en-US" dirty="0"/>
+              <a:t>A[-c(2,3)] #</a:t>
+            </a:r>
+            <a:r>
+              <a:rPr lang="ru-RU" dirty="0"/>
+              <a:t>знак минус означает все кроме них</a:t>
+            </a:r>
+            <a:endParaRPr lang="en-US" dirty="0"/>
           </a:p>
           <a:p>
             <a:pPr marL="45720" indent="0">
@@ -6251,13 +6266,13 @@
         </p:nvSpPr>
         <p:spPr>
           <a:xfrm>
-            <a:off x="395536" y="476672"/>
-            <a:ext cx="8856984" cy="4680520"/>
+            <a:off x="287016" y="222961"/>
+            <a:ext cx="8856984" cy="4896544"/>
           </a:xfrm>
         </p:spPr>
         <p:txBody>
           <a:bodyPr>
-            <a:normAutofit fontScale="77500" lnSpcReduction="20000"/>
+            <a:normAutofit fontScale="70000" lnSpcReduction="20000"/>
           </a:bodyPr>
           <a:lstStyle/>
           <a:p>
@@ -6435,7 +6450,7 @@
             </a:r>
             <a:r>
               <a:rPr lang="ru-RU" sz="3200" dirty="0"/>
-              <a:t>означает все ряды или колонки </a:t>
+              <a:t>означает ВСЕ ряды или колонки </a:t>
             </a:r>
             <a:endParaRPr lang="en-US" sz="3200" dirty="0"/>
           </a:p>
@@ -6444,6 +6459,31 @@
               <a:buNone/>
             </a:pPr>
             <a:endParaRPr lang="en-US" sz="3200" dirty="0"/>
+          </a:p>
+          <a:p>
+            <a:r>
+              <a:rPr lang="ru-RU" sz="3200" dirty="0"/>
+              <a:t>РЕЗУЛЬТАТ</a:t>
+            </a:r>
+            <a:r>
+              <a:rPr lang="en-US" sz="3200" dirty="0"/>
+              <a:t>: </a:t>
+            </a:r>
+            <a:r>
+              <a:rPr lang="ru-RU" sz="3200" dirty="0"/>
+              <a:t>Вектор или </a:t>
+            </a:r>
+            <a:r>
+              <a:rPr lang="en-US" sz="3200" b="1" dirty="0" err="1"/>
+              <a:t>Data.frame</a:t>
+            </a:r>
+            <a:endParaRPr lang="en-US" sz="3200" b="1" dirty="0"/>
+          </a:p>
+          <a:p>
+            <a:pPr marL="45720" indent="0">
+              <a:buNone/>
+            </a:pPr>
+            <a:endParaRPr lang="en-US" sz="3600" dirty="0"/>
           </a:p>
           <a:p>
             <a:pPr marL="45720" indent="0">
@@ -6467,7 +6507,7 @@
         </p:nvCxnSpPr>
         <p:spPr>
           <a:xfrm flipV="1">
-            <a:off x="1835696" y="1412776"/>
+            <a:off x="1475656" y="908720"/>
             <a:ext cx="0" cy="360040"/>
           </a:xfrm>
           <a:prstGeom prst="straightConnector1">

--- a/Введение в R.pptx
+++ b/Введение в R.pptx
@@ -26,6 +26,7 @@
     <p:sldId id="271" r:id="rId20"/>
     <p:sldId id="272" r:id="rId21"/>
     <p:sldId id="273" r:id="rId22"/>
+    <p:sldId id="278" r:id="rId23"/>
   </p:sldIdLst>
   <p:sldSz cx="9144000" cy="6858000" type="screen4x3"/>
   <p:notesSz cx="6858000" cy="9144000"/>
@@ -565,7 +566,7 @@
           <a:p>
             <a:fld id="{2933BC58-7D4A-4A38-AC95-63DF71C0F378}" type="datetimeFigureOut">
               <a:rPr lang="ru-RU" smtClean="0"/>
-              <a:t>21.02.2021</a:t>
+              <a:t>28.02.2021</a:t>
             </a:fld>
             <a:endParaRPr lang="ru-RU"/>
           </a:p>
@@ -770,7 +771,7 @@
           <a:p>
             <a:fld id="{2933BC58-7D4A-4A38-AC95-63DF71C0F378}" type="datetimeFigureOut">
               <a:rPr lang="ru-RU" smtClean="0"/>
-              <a:t>21.02.2021</a:t>
+              <a:t>28.02.2021</a:t>
             </a:fld>
             <a:endParaRPr lang="ru-RU"/>
           </a:p>
@@ -950,7 +951,7 @@
           <a:p>
             <a:fld id="{2933BC58-7D4A-4A38-AC95-63DF71C0F378}" type="datetimeFigureOut">
               <a:rPr lang="ru-RU" smtClean="0"/>
-              <a:t>21.02.2021</a:t>
+              <a:t>28.02.2021</a:t>
             </a:fld>
             <a:endParaRPr lang="ru-RU"/>
           </a:p>
@@ -1040,7 +1041,7 @@
           <a:p>
             <a:fld id="{2933BC58-7D4A-4A38-AC95-63DF71C0F378}" type="datetimeFigureOut">
               <a:rPr lang="ru-RU" smtClean="0"/>
-              <a:t>21.02.2021</a:t>
+              <a:t>28.02.2021</a:t>
             </a:fld>
             <a:endParaRPr lang="ru-RU"/>
           </a:p>
@@ -1629,7 +1630,7 @@
           <a:p>
             <a:fld id="{2933BC58-7D4A-4A38-AC95-63DF71C0F378}" type="datetimeFigureOut">
               <a:rPr lang="ru-RU" smtClean="0"/>
-              <a:t>21.02.2021</a:t>
+              <a:t>28.02.2021</a:t>
             </a:fld>
             <a:endParaRPr lang="ru-RU"/>
           </a:p>
@@ -1719,7 +1720,7 @@
           <a:p>
             <a:fld id="{2933BC58-7D4A-4A38-AC95-63DF71C0F378}" type="datetimeFigureOut">
               <a:rPr lang="ru-RU" smtClean="0"/>
-              <a:t>21.02.2021</a:t>
+              <a:t>28.02.2021</a:t>
             </a:fld>
             <a:endParaRPr lang="ru-RU"/>
           </a:p>
@@ -2317,7 +2318,7 @@
           <a:p>
             <a:fld id="{2933BC58-7D4A-4A38-AC95-63DF71C0F378}" type="datetimeFigureOut">
               <a:rPr lang="ru-RU" smtClean="0"/>
-              <a:t>21.02.2021</a:t>
+              <a:t>28.02.2021</a:t>
             </a:fld>
             <a:endParaRPr lang="ru-RU"/>
           </a:p>
@@ -2453,7 +2454,7 @@
           <a:p>
             <a:fld id="{2933BC58-7D4A-4A38-AC95-63DF71C0F378}" type="datetimeFigureOut">
               <a:rPr lang="ru-RU" smtClean="0"/>
-              <a:t>21.02.2021</a:t>
+              <a:t>28.02.2021</a:t>
             </a:fld>
             <a:endParaRPr lang="ru-RU"/>
           </a:p>
@@ -2543,7 +2544,7 @@
           <a:p>
             <a:fld id="{2933BC58-7D4A-4A38-AC95-63DF71C0F378}" type="datetimeFigureOut">
               <a:rPr lang="ru-RU" smtClean="0"/>
-              <a:t>21.02.2021</a:t>
+              <a:t>28.02.2021</a:t>
             </a:fld>
             <a:endParaRPr lang="ru-RU"/>
           </a:p>
@@ -2820,7 +2821,7 @@
           <a:p>
             <a:fld id="{2933BC58-7D4A-4A38-AC95-63DF71C0F378}" type="datetimeFigureOut">
               <a:rPr lang="ru-RU" smtClean="0"/>
-              <a:t>21.02.2021</a:t>
+              <a:t>28.02.2021</a:t>
             </a:fld>
             <a:endParaRPr lang="ru-RU"/>
           </a:p>
@@ -3335,7 +3336,7 @@
           <a:p>
             <a:fld id="{2933BC58-7D4A-4A38-AC95-63DF71C0F378}" type="datetimeFigureOut">
               <a:rPr lang="ru-RU" smtClean="0"/>
-              <a:t>21.02.2021</a:t>
+              <a:t>28.02.2021</a:t>
             </a:fld>
             <a:endParaRPr lang="ru-RU"/>
           </a:p>
@@ -3848,7 +3849,7 @@
           <a:p>
             <a:fld id="{2933BC58-7D4A-4A38-AC95-63DF71C0F378}" type="datetimeFigureOut">
               <a:rPr lang="ru-RU" smtClean="0"/>
-              <a:t>21.02.2021</a:t>
+              <a:t>28.02.2021</a:t>
             </a:fld>
             <a:endParaRPr lang="ru-RU"/>
           </a:p>
@@ -7363,6 +7364,196 @@
 </p:sld>
 </file>
 
+<file path=ppt/slides/slide22.xml><?xml version="1.0" encoding="utf-8"?>
+<p:sld xmlns:a="http://schemas.openxmlformats.org/drawingml/2006/main" xmlns:r="http://schemas.openxmlformats.org/officeDocument/2006/relationships" xmlns:p="http://schemas.openxmlformats.org/presentationml/2006/main">
+  <p:cSld>
+    <p:spTree>
+      <p:nvGrpSpPr>
+        <p:cNvPr id="1" name=""/>
+        <p:cNvGrpSpPr/>
+        <p:nvPr/>
+      </p:nvGrpSpPr>
+      <p:grpSpPr>
+        <a:xfrm>
+          <a:off x="0" y="0"/>
+          <a:ext cx="0" cy="0"/>
+          <a:chOff x="0" y="0"/>
+          <a:chExt cx="0" cy="0"/>
+        </a:xfrm>
+      </p:grpSpPr>
+      <p:sp>
+        <p:nvSpPr>
+          <p:cNvPr id="2" name="Заголовок 1"/>
+          <p:cNvSpPr>
+            <a:spLocks noGrp="1"/>
+          </p:cNvSpPr>
+          <p:nvPr>
+            <p:ph type="title"/>
+          </p:nvPr>
+        </p:nvSpPr>
+        <p:spPr>
+          <a:xfrm>
+            <a:off x="1979712" y="5136872"/>
+            <a:ext cx="6811159" cy="1721128"/>
+          </a:xfrm>
+        </p:spPr>
+        <p:txBody>
+          <a:bodyPr/>
+          <a:lstStyle/>
+          <a:p>
+            <a:r>
+              <a:rPr lang="ru-RU" dirty="0"/>
+              <a:t>Библиотеки функций (</a:t>
+            </a:r>
+            <a:r>
+              <a:rPr lang="en-US" dirty="0"/>
+              <a:t>package, library</a:t>
+            </a:r>
+            <a:r>
+              <a:rPr lang="ru-RU" dirty="0"/>
+              <a:t>)</a:t>
+            </a:r>
+          </a:p>
+        </p:txBody>
+      </p:sp>
+      <p:sp>
+        <p:nvSpPr>
+          <p:cNvPr id="3" name="Объект 2"/>
+          <p:cNvSpPr>
+            <a:spLocks noGrp="1"/>
+          </p:cNvSpPr>
+          <p:nvPr>
+            <p:ph sz="quarter" idx="13"/>
+          </p:nvPr>
+        </p:nvSpPr>
+        <p:spPr>
+          <a:xfrm>
+            <a:off x="683568" y="260648"/>
+            <a:ext cx="8856984" cy="4680520"/>
+          </a:xfrm>
+        </p:spPr>
+        <p:txBody>
+          <a:bodyPr>
+            <a:normAutofit/>
+          </a:bodyPr>
+          <a:lstStyle/>
+          <a:p>
+            <a:pPr marL="45720" indent="0">
+              <a:buNone/>
+            </a:pPr>
+            <a:r>
+              <a:rPr lang="ru-RU" sz="3200" dirty="0"/>
+              <a:t>Третий способ. Специальные функции</a:t>
+            </a:r>
+          </a:p>
+          <a:p>
+            <a:r>
+              <a:rPr lang="en-US" sz="3200" dirty="0" err="1"/>
+              <a:t>head,tail</a:t>
+            </a:r>
+            <a:endParaRPr lang="en-US" sz="3200" dirty="0"/>
+          </a:p>
+          <a:p>
+            <a:pPr marL="45720" indent="0">
+              <a:buNone/>
+            </a:pPr>
+            <a:r>
+              <a:rPr lang="en-US" sz="3200" dirty="0"/>
+              <a:t>head(data,10) – </a:t>
+            </a:r>
+            <a:r>
+              <a:rPr lang="ru-RU" sz="3200" dirty="0"/>
+              <a:t>первые 10 рядов</a:t>
+            </a:r>
+            <a:endParaRPr lang="en-US" sz="3200" dirty="0"/>
+          </a:p>
+          <a:p>
+            <a:r>
+              <a:rPr lang="en-US" sz="3200" dirty="0"/>
+              <a:t>subset</a:t>
+            </a:r>
+            <a:endParaRPr lang="ru-RU" sz="3200" dirty="0"/>
+          </a:p>
+          <a:p>
+            <a:pPr marL="45720" indent="0">
+              <a:buNone/>
+            </a:pPr>
+            <a:r>
+              <a:rPr lang="en-US" sz="3200" dirty="0"/>
+              <a:t>subset(data, x&gt;10 | y&lt;20)</a:t>
+            </a:r>
+          </a:p>
+          <a:p>
+            <a:r>
+              <a:rPr lang="ru-RU" sz="3200" dirty="0"/>
+              <a:t>Но в отличие от </a:t>
+            </a:r>
+            <a:r>
+              <a:rPr lang="en-US" sz="3200" dirty="0"/>
+              <a:t>[], </a:t>
+            </a:r>
+            <a:r>
+              <a:rPr lang="ru-RU" sz="3200" dirty="0"/>
+              <a:t>нельзя </a:t>
+            </a:r>
+            <a:r>
+              <a:rPr lang="ru-RU" sz="3200" b="1" dirty="0"/>
+              <a:t>СЛЕВА</a:t>
+            </a:r>
+            <a:r>
+              <a:rPr lang="ru-RU" sz="3200" dirty="0"/>
+              <a:t> от знака присваивания</a:t>
+            </a:r>
+            <a:endParaRPr lang="en-US" sz="3200" dirty="0"/>
+          </a:p>
+          <a:p>
+            <a:pPr marL="45720" indent="0">
+              <a:buNone/>
+            </a:pPr>
+            <a:endParaRPr lang="en-US" sz="3200" dirty="0"/>
+          </a:p>
+          <a:p>
+            <a:endParaRPr lang="ru-RU" sz="3200" dirty="0"/>
+          </a:p>
+          <a:p>
+            <a:pPr marL="45720" indent="0">
+              <a:buNone/>
+            </a:pPr>
+            <a:endParaRPr lang="en-US" sz="3200" b="1" dirty="0"/>
+          </a:p>
+          <a:p>
+            <a:pPr marL="45720" indent="0">
+              <a:buNone/>
+            </a:pPr>
+            <a:endParaRPr lang="en-US" sz="3200" dirty="0"/>
+          </a:p>
+          <a:p>
+            <a:pPr marL="45720" indent="0">
+              <a:buNone/>
+            </a:pPr>
+            <a:endParaRPr lang="en-US" sz="3600" dirty="0"/>
+          </a:p>
+          <a:p>
+            <a:pPr marL="45720" indent="0">
+              <a:buNone/>
+            </a:pPr>
+            <a:endParaRPr lang="ru-RU" sz="3600" dirty="0"/>
+          </a:p>
+        </p:txBody>
+      </p:sp>
+    </p:spTree>
+    <p:extLst>
+      <p:ext uri="{BB962C8B-B14F-4D97-AF65-F5344CB8AC3E}">
+        <p14:creationId xmlns:p14="http://schemas.microsoft.com/office/powerpoint/2010/main" val="3345481312"/>
+      </p:ext>
+    </p:extLst>
+  </p:cSld>
+  <p:clrMapOvr>
+    <a:masterClrMapping/>
+  </p:clrMapOvr>
+</p:sld>
+</file>
+
 <file path=ppt/slides/slide3.xml><?xml version="1.0" encoding="utf-8"?>
 <p:sld xmlns:a="http://schemas.openxmlformats.org/drawingml/2006/main" xmlns:r="http://schemas.openxmlformats.org/officeDocument/2006/relationships" xmlns:p="http://schemas.openxmlformats.org/presentationml/2006/main">
   <p:cSld>

--- a/Введение в R.pptx
+++ b/Введение в R.pptx
@@ -566,7 +566,7 @@
           <a:p>
             <a:fld id="{2933BC58-7D4A-4A38-AC95-63DF71C0F378}" type="datetimeFigureOut">
               <a:rPr lang="ru-RU" smtClean="0"/>
-              <a:t>28.02.2021</a:t>
+              <a:t>14.03.2021</a:t>
             </a:fld>
             <a:endParaRPr lang="ru-RU"/>
           </a:p>
@@ -771,7 +771,7 @@
           <a:p>
             <a:fld id="{2933BC58-7D4A-4A38-AC95-63DF71C0F378}" type="datetimeFigureOut">
               <a:rPr lang="ru-RU" smtClean="0"/>
-              <a:t>28.02.2021</a:t>
+              <a:t>14.03.2021</a:t>
             </a:fld>
             <a:endParaRPr lang="ru-RU"/>
           </a:p>
@@ -951,7 +951,7 @@
           <a:p>
             <a:fld id="{2933BC58-7D4A-4A38-AC95-63DF71C0F378}" type="datetimeFigureOut">
               <a:rPr lang="ru-RU" smtClean="0"/>
-              <a:t>28.02.2021</a:t>
+              <a:t>14.03.2021</a:t>
             </a:fld>
             <a:endParaRPr lang="ru-RU"/>
           </a:p>
@@ -1041,7 +1041,7 @@
           <a:p>
             <a:fld id="{2933BC58-7D4A-4A38-AC95-63DF71C0F378}" type="datetimeFigureOut">
               <a:rPr lang="ru-RU" smtClean="0"/>
-              <a:t>28.02.2021</a:t>
+              <a:t>14.03.2021</a:t>
             </a:fld>
             <a:endParaRPr lang="ru-RU"/>
           </a:p>
@@ -1630,7 +1630,7 @@
           <a:p>
             <a:fld id="{2933BC58-7D4A-4A38-AC95-63DF71C0F378}" type="datetimeFigureOut">
               <a:rPr lang="ru-RU" smtClean="0"/>
-              <a:t>28.02.2021</a:t>
+              <a:t>14.03.2021</a:t>
             </a:fld>
             <a:endParaRPr lang="ru-RU"/>
           </a:p>
@@ -1720,7 +1720,7 @@
           <a:p>
             <a:fld id="{2933BC58-7D4A-4A38-AC95-63DF71C0F378}" type="datetimeFigureOut">
               <a:rPr lang="ru-RU" smtClean="0"/>
-              <a:t>28.02.2021</a:t>
+              <a:t>14.03.2021</a:t>
             </a:fld>
             <a:endParaRPr lang="ru-RU"/>
           </a:p>
@@ -2318,7 +2318,7 @@
           <a:p>
             <a:fld id="{2933BC58-7D4A-4A38-AC95-63DF71C0F378}" type="datetimeFigureOut">
               <a:rPr lang="ru-RU" smtClean="0"/>
-              <a:t>28.02.2021</a:t>
+              <a:t>14.03.2021</a:t>
             </a:fld>
             <a:endParaRPr lang="ru-RU"/>
           </a:p>
@@ -2454,7 +2454,7 @@
           <a:p>
             <a:fld id="{2933BC58-7D4A-4A38-AC95-63DF71C0F378}" type="datetimeFigureOut">
               <a:rPr lang="ru-RU" smtClean="0"/>
-              <a:t>28.02.2021</a:t>
+              <a:t>14.03.2021</a:t>
             </a:fld>
             <a:endParaRPr lang="ru-RU"/>
           </a:p>
@@ -2544,7 +2544,7 @@
           <a:p>
             <a:fld id="{2933BC58-7D4A-4A38-AC95-63DF71C0F378}" type="datetimeFigureOut">
               <a:rPr lang="ru-RU" smtClean="0"/>
-              <a:t>28.02.2021</a:t>
+              <a:t>14.03.2021</a:t>
             </a:fld>
             <a:endParaRPr lang="ru-RU"/>
           </a:p>
@@ -2821,7 +2821,7 @@
           <a:p>
             <a:fld id="{2933BC58-7D4A-4A38-AC95-63DF71C0F378}" type="datetimeFigureOut">
               <a:rPr lang="ru-RU" smtClean="0"/>
-              <a:t>28.02.2021</a:t>
+              <a:t>14.03.2021</a:t>
             </a:fld>
             <a:endParaRPr lang="ru-RU"/>
           </a:p>
@@ -3336,7 +3336,7 @@
           <a:p>
             <a:fld id="{2933BC58-7D4A-4A38-AC95-63DF71C0F378}" type="datetimeFigureOut">
               <a:rPr lang="ru-RU" smtClean="0"/>
-              <a:t>28.02.2021</a:t>
+              <a:t>14.03.2021</a:t>
             </a:fld>
             <a:endParaRPr lang="ru-RU"/>
           </a:p>
@@ -3849,7 +3849,7 @@
           <a:p>
             <a:fld id="{2933BC58-7D4A-4A38-AC95-63DF71C0F378}" type="datetimeFigureOut">
               <a:rPr lang="ru-RU" smtClean="0"/>
-              <a:t>28.02.2021</a:t>
+              <a:t>14.03.2021</a:t>
             </a:fld>
             <a:endParaRPr lang="ru-RU"/>
           </a:p>
@@ -7428,88 +7428,121 @@
         </p:nvSpPr>
         <p:spPr>
           <a:xfrm>
-            <a:off x="683568" y="260648"/>
-            <a:ext cx="8856984" cy="4680520"/>
+            <a:off x="143508" y="260648"/>
+            <a:ext cx="9000492" cy="5112568"/>
           </a:xfrm>
         </p:spPr>
         <p:txBody>
           <a:bodyPr>
-            <a:normAutofit/>
+            <a:normAutofit fontScale="70000" lnSpcReduction="20000"/>
           </a:bodyPr>
           <a:lstStyle/>
           <a:p>
+            <a:r>
+              <a:rPr lang="ru-RU" sz="3200" dirty="0"/>
+              <a:t>Совокупность функций объединенной одной темой</a:t>
+            </a:r>
+          </a:p>
+          <a:p>
+            <a:endParaRPr lang="ru-RU" sz="3200" dirty="0"/>
+          </a:p>
+          <a:p>
+            <a:r>
+              <a:rPr lang="en-US" sz="3200" b="1" i="1" dirty="0" err="1"/>
+              <a:t>install.packages</a:t>
+            </a:r>
+            <a:r>
+              <a:rPr lang="en-US" sz="3200" b="1" i="1" dirty="0"/>
+              <a:t>("</a:t>
+            </a:r>
+            <a:r>
+              <a:rPr lang="ru-RU" sz="3200" b="1" i="1" dirty="0"/>
+              <a:t>название пакета</a:t>
+            </a:r>
+            <a:r>
+              <a:rPr lang="en-US" sz="3200" b="1" i="1" dirty="0"/>
+              <a:t>")</a:t>
+            </a:r>
+            <a:r>
+              <a:rPr lang="ru-RU" sz="3200" b="1" i="1" dirty="0"/>
+              <a:t> </a:t>
+            </a:r>
+            <a:r>
+              <a:rPr lang="ru-RU" sz="3200" dirty="0"/>
+              <a:t>- загружает пакет из интернета на жесткий диск, нужно запустить "один раз в жизни</a:t>
+            </a:r>
+            <a:r>
+              <a:rPr lang="en-US" sz="3200" dirty="0"/>
+              <a:t>”</a:t>
+            </a:r>
+            <a:endParaRPr lang="ru-RU" sz="3200" dirty="0"/>
+          </a:p>
+          <a:p>
+            <a:endParaRPr lang="ru-RU" sz="3200" dirty="0"/>
+          </a:p>
+          <a:p>
+            <a:r>
+              <a:rPr lang="en-US" sz="3200" b="1" i="1" dirty="0"/>
+              <a:t>library(“</a:t>
+            </a:r>
+            <a:r>
+              <a:rPr lang="ru-RU" sz="3200" b="1" i="1" dirty="0"/>
+              <a:t>название пакета</a:t>
+            </a:r>
+            <a:r>
+              <a:rPr lang="en-US" sz="3200" b="1" i="1" dirty="0"/>
+              <a:t>") - </a:t>
+            </a:r>
+            <a:r>
+              <a:rPr lang="ru-RU" sz="3200" dirty="0"/>
+              <a:t>загружает пакет с жесткого диска в оперативную память, нужно запускать каждый раз при запуске </a:t>
+            </a:r>
+            <a:r>
+              <a:rPr lang="en-US" sz="3200" dirty="0" err="1"/>
+              <a:t>Rstudio</a:t>
+            </a:r>
+            <a:endParaRPr lang="en-US" sz="3200" dirty="0"/>
+          </a:p>
+          <a:p>
+            <a:endParaRPr lang="en-US" sz="3200" b="1" i="1" dirty="0"/>
+          </a:p>
+          <a:p>
+            <a:r>
+              <a:rPr lang="ru-RU" sz="3200" dirty="0"/>
+              <a:t>ВСЯ информация о пакете </a:t>
+            </a:r>
+            <a:r>
+              <a:rPr lang="en-US" sz="3200" dirty="0">
+                <a:hlinkClick r:id="rId2"/>
+              </a:rPr>
+              <a:t>https://cran.rproject.org/web/packages/openxlsx/index.html</a:t>
+            </a:r>
+            <a:r>
+              <a:rPr lang="ru-RU" sz="3200" dirty="0"/>
+              <a:t> </a:t>
+            </a:r>
+            <a:r>
+              <a:rPr lang="en-US" sz="3200" dirty="0"/>
+              <a:t>:</a:t>
+            </a:r>
+          </a:p>
+          <a:p>
             <a:pPr marL="45720" indent="0">
               <a:buNone/>
             </a:pPr>
             <a:r>
               <a:rPr lang="ru-RU" sz="3200" dirty="0"/>
-              <a:t>Третий способ. Специальные функции</a:t>
-            </a:r>
-          </a:p>
-          <a:p>
-            <a:r>
-              <a:rPr lang="en-US" sz="3200" dirty="0" err="1"/>
-              <a:t>head,tail</a:t>
-            </a:r>
-            <a:endParaRPr lang="en-US" sz="3200" dirty="0"/>
+              <a:t>#Reference manual - все функции пакета</a:t>
+            </a:r>
           </a:p>
           <a:p>
             <a:pPr marL="45720" indent="0">
               <a:buNone/>
             </a:pPr>
             <a:r>
-              <a:rPr lang="en-US" sz="3200" dirty="0"/>
-              <a:t>head(data,10) – </a:t>
-            </a:r>
-            <a:r>
               <a:rPr lang="ru-RU" sz="3200" dirty="0"/>
-              <a:t>первые 10 рядов</a:t>
-            </a:r>
-            <a:endParaRPr lang="en-US" sz="3200" dirty="0"/>
-          </a:p>
-          <a:p>
-            <a:r>
-              <a:rPr lang="en-US" sz="3200" dirty="0"/>
-              <a:t>subset</a:t>
-            </a:r>
-            <a:endParaRPr lang="ru-RU" sz="3200" dirty="0"/>
-          </a:p>
-          <a:p>
-            <a:pPr marL="45720" indent="0">
-              <a:buNone/>
-            </a:pPr>
-            <a:r>
-              <a:rPr lang="en-US" sz="3200" dirty="0"/>
-              <a:t>subset(data, x&gt;10 | y&lt;20)</a:t>
-            </a:r>
-          </a:p>
-          <a:p>
-            <a:r>
-              <a:rPr lang="ru-RU" sz="3200" dirty="0"/>
-              <a:t>Но в отличие от </a:t>
-            </a:r>
-            <a:r>
-              <a:rPr lang="en-US" sz="3200" dirty="0"/>
-              <a:t>[], </a:t>
-            </a:r>
-            <a:r>
-              <a:rPr lang="ru-RU" sz="3200" dirty="0"/>
-              <a:t>нельзя </a:t>
-            </a:r>
-            <a:r>
-              <a:rPr lang="ru-RU" sz="3200" b="1" dirty="0"/>
-              <a:t>СЛЕВА</a:t>
-            </a:r>
-            <a:r>
-              <a:rPr lang="ru-RU" sz="3200" dirty="0"/>
-              <a:t> от знака присваивания</a:t>
-            </a:r>
-            <a:endParaRPr lang="en-US" sz="3200" dirty="0"/>
-          </a:p>
-          <a:p>
-            <a:pPr marL="45720" indent="0">
-              <a:buNone/>
-            </a:pPr>
+              <a:t>#Vignettes - более дружелюбное объяснение применения функций с примерами</a:t>
+            </a:r>
             <a:endParaRPr lang="en-US" sz="3200" dirty="0"/>
           </a:p>
           <a:p>
